--- a/Introduction to Reinforcement Learning.pptx
+++ b/Introduction to Reinforcement Learning.pptx
@@ -246,7 +246,7 @@
           <a:p>
             <a:fld id="{8E5A70BF-B93D-49DD-9B8D-624552A95747}" type="datetimeFigureOut">
               <a:rPr lang="en-GB" smtClean="0"/>
-              <a:t>24/03/2020</a:t>
+              <a:t>23/03/2022</a:t>
             </a:fld>
             <a:endParaRPr lang="en-GB"/>
           </a:p>
@@ -6330,15 +6330,7 @@
             </a:pPr>
             <a:r>
               <a:rPr lang="en-US" sz="1300" dirty="0"/>
-              <a:t>Philip </a:t>
-            </a:r>
-            <a:r>
-              <a:rPr lang="en-US" sz="1300"/>
-              <a:t>(Sterling) </a:t>
-            </a:r>
-            <a:r>
-              <a:rPr lang="en-US" sz="1300" dirty="0"/>
-              <a:t>Osborne, PhD Student in AI Systems Lab Group</a:t>
+              <a:t>Philip (Sterling) Osborne, PhD Student in AI Systems Lab Group</a:t>
             </a:r>
           </a:p>
           <a:p>
@@ -6350,12 +6342,13 @@
               <a:buChar char="•"/>
             </a:pPr>
             <a:r>
-              <a:rPr lang="en-US" sz="1300" dirty="0">
-                <a:hlinkClick r:id="rId4"/>
+              <a:rPr lang="en-US" sz="1300" u="sng" dirty="0">
+                <a:solidFill>
+                  <a:srgbClr val="0070C0"/>
+                </a:solidFill>
               </a:rPr>
-              <a:t>philiposbornedata@gmail.com</a:t>
-            </a:r>
-            <a:endParaRPr lang="en-US" sz="1300" dirty="0"/>
+              <a:t>Philip.Osborne@postgrad.Manchester.ac.uk</a:t>
+            </a:r>
           </a:p>
           <a:p>
             <a:pPr indent="-228600">
@@ -6366,15 +6359,25 @@
               <a:buChar char="•"/>
             </a:pPr>
             <a:r>
-              <a:rPr lang="en-US" sz="1300" dirty="0">
-                <a:hlinkClick r:id="rId5"/>
+              <a:rPr lang="en-GB" sz="1300" dirty="0">
+                <a:solidFill>
+                  <a:srgbClr val="0070C0"/>
+                </a:solidFill>
+                <a:hlinkClick r:id="rId4">
+                  <a:extLst>
+                    <a:ext uri="{A12FA001-AC4F-418D-AE19-62706E023703}">
+                      <ahyp:hlinkClr xmlns:ahyp="http://schemas.microsoft.com/office/drawing/2018/hyperlinkcolor" val="tx"/>
+                    </a:ext>
+                  </a:extLst>
+                </a:hlinkClick>
               </a:rPr>
-              <a:t>https://www.philiposbornedata.com</a:t>
-            </a:r>
-            <a:r>
-              <a:rPr lang="en-US" sz="1300" dirty="0"/>
-              <a:t> </a:t>
-            </a:r>
+              <a:t>https://www.linkedin.com/in/philip-osborne-1052a183</a:t>
+            </a:r>
+            <a:endParaRPr lang="en-GB" sz="1300" dirty="0">
+              <a:solidFill>
+                <a:srgbClr val="0070C0"/>
+              </a:solidFill>
+            </a:endParaRPr>
           </a:p>
           <a:p>
             <a:pPr indent="-228600">
@@ -6411,9 +6414,10 @@
               <a:buChar char="•"/>
             </a:pPr>
             <a:r>
-              <a:rPr lang="en-US" sz="1300" dirty="0"/>
-              <a:t>25/03/2020</a:t>
-            </a:r>
+              <a:rPr lang="en-US" sz="1300"/>
+              <a:t>23/03/2022</a:t>
+            </a:r>
+            <a:endParaRPr lang="en-US" sz="1300" dirty="0"/>
           </a:p>
         </p:txBody>
       </p:sp>
@@ -6594,7 +6598,7 @@
           <p:nvPr/>
         </p:nvPicPr>
         <p:blipFill>
-          <a:blip r:embed="rId6">
+          <a:blip r:embed="rId5">
             <a:extLst>
               <a:ext uri="{28A0092B-C50C-407E-A947-70E740481C1C}">
                 <a14:useLocalDpi xmlns:a14="http://schemas.microsoft.com/office/drawing/2010/main" val="0"/>
@@ -14321,8 +14325,8 @@
           </a:p>
         </p:txBody>
       </p:sp>
-      <mc:AlternateContent xmlns:mc="http://schemas.openxmlformats.org/markup-compatibility/2006">
-        <mc:Choice xmlns:a14="http://schemas.microsoft.com/office/drawing/2010/main" Requires="a14">
+      <mc:AlternateContent xmlns:mc="http://schemas.openxmlformats.org/markup-compatibility/2006" xmlns:a14="http://schemas.microsoft.com/office/drawing/2010/main">
+        <mc:Choice Requires="a14">
           <p:sp>
             <p:nvSpPr>
               <p:cNvPr id="5" name="Content Placeholder 4">
@@ -15200,7 +15204,7 @@
             </p:txBody>
           </p:sp>
         </mc:Choice>
-        <mc:Fallback>
+        <mc:Fallback xmlns="">
           <p:sp>
             <p:nvSpPr>
               <p:cNvPr id="5" name="Content Placeholder 4">
@@ -15381,8 +15385,8 @@
           </a:p>
         </p:txBody>
       </p:sp>
-      <mc:AlternateContent xmlns:mc="http://schemas.openxmlformats.org/markup-compatibility/2006">
-        <mc:Choice xmlns:a14="http://schemas.microsoft.com/office/drawing/2010/main" Requires="a14">
+      <mc:AlternateContent xmlns:mc="http://schemas.openxmlformats.org/markup-compatibility/2006" xmlns:a14="http://schemas.microsoft.com/office/drawing/2010/main">
+        <mc:Choice Requires="a14">
           <p:sp>
             <p:nvSpPr>
               <p:cNvPr id="5" name="Content Placeholder 4">
@@ -15708,7 +15712,7 @@
                           <m:limLow>
                             <m:limLowPr>
                               <m:ctrlPr>
-                                <a:rPr lang="en-GB" b="0" i="0" smtClean="0">
+                                <a:rPr lang="en-GB" b="0" i="1" smtClean="0">
                                   <a:latin typeface="Cambria Math" panose="02040503050406030204" pitchFamily="18" charset="0"/>
                                 </a:rPr>
                               </m:ctrlPr>
@@ -15847,7 +15851,7 @@
             </p:txBody>
           </p:sp>
         </mc:Choice>
-        <mc:Fallback>
+        <mc:Fallback xmlns="">
           <p:sp>
             <p:nvSpPr>
               <p:cNvPr id="5" name="Content Placeholder 4">
@@ -16194,8 +16198,8 @@
           </a:p>
         </p:txBody>
       </p:sp>
-      <mc:AlternateContent xmlns:mc="http://schemas.openxmlformats.org/markup-compatibility/2006">
-        <mc:Choice xmlns:a14="http://schemas.microsoft.com/office/drawing/2010/main" Requires="a14">
+      <mc:AlternateContent xmlns:mc="http://schemas.openxmlformats.org/markup-compatibility/2006" xmlns:a14="http://schemas.microsoft.com/office/drawing/2010/main">
+        <mc:Choice Requires="a14">
           <p:sp>
             <p:nvSpPr>
               <p:cNvPr id="5" name="Content Placeholder 4">
@@ -16846,7 +16850,7 @@
             </p:txBody>
           </p:sp>
         </mc:Choice>
-        <mc:Fallback>
+        <mc:Fallback xmlns="">
           <p:sp>
             <p:nvSpPr>
               <p:cNvPr id="5" name="Content Placeholder 4">
@@ -17220,8 +17224,8 @@
           </a:p>
         </p:txBody>
       </p:sp>
-      <mc:AlternateContent xmlns:mc="http://schemas.openxmlformats.org/markup-compatibility/2006">
-        <mc:Choice xmlns:a14="http://schemas.microsoft.com/office/drawing/2010/main" Requires="a14">
+      <mc:AlternateContent xmlns:mc="http://schemas.openxmlformats.org/markup-compatibility/2006" xmlns:a14="http://schemas.microsoft.com/office/drawing/2010/main">
+        <mc:Choice Requires="a14">
           <p:sp>
             <p:nvSpPr>
               <p:cNvPr id="3" name="Content Placeholder 2">
@@ -17457,7 +17461,7 @@
             </p:txBody>
           </p:sp>
         </mc:Choice>
-        <mc:Fallback>
+        <mc:Fallback xmlns="">
           <p:sp>
             <p:nvSpPr>
               <p:cNvPr id="3" name="Content Placeholder 2">
@@ -18494,8 +18498,8 @@
           </a:p>
         </p:txBody>
       </p:sp>
-      <mc:AlternateContent xmlns:mc="http://schemas.openxmlformats.org/markup-compatibility/2006">
-        <mc:Choice xmlns:a14="http://schemas.microsoft.com/office/drawing/2010/main" Requires="a14">
+      <mc:AlternateContent xmlns:mc="http://schemas.openxmlformats.org/markup-compatibility/2006" xmlns:a14="http://schemas.microsoft.com/office/drawing/2010/main">
+        <mc:Choice Requires="a14">
           <p:sp>
             <p:nvSpPr>
               <p:cNvPr id="3" name="Content Placeholder 2">
@@ -18616,7 +18620,7 @@
             </p:txBody>
           </p:sp>
         </mc:Choice>
-        <mc:Fallback>
+        <mc:Fallback xmlns="">
           <p:sp>
             <p:nvSpPr>
               <p:cNvPr id="3" name="Content Placeholder 2">
@@ -18756,8 +18760,8 @@
           </a:prstGeom>
         </p:spPr>
       </p:pic>
-      <mc:AlternateContent xmlns:mc="http://schemas.openxmlformats.org/markup-compatibility/2006">
-        <mc:Choice xmlns:a14="http://schemas.microsoft.com/office/drawing/2010/main" Requires="a14">
+      <mc:AlternateContent xmlns:mc="http://schemas.openxmlformats.org/markup-compatibility/2006" xmlns:a14="http://schemas.microsoft.com/office/drawing/2010/main">
+        <mc:Choice Requires="a14">
           <p:sp>
             <p:nvSpPr>
               <p:cNvPr id="12" name="Rectangle 11">
@@ -18785,6 +18789,7 @@
               </a:bodyPr>
               <a:lstStyle/>
               <a:p>
+                <a:pPr/>
                 <a14:m>
                   <m:oMathPara xmlns:m="http://schemas.openxmlformats.org/officeDocument/2006/math">
                     <m:oMathParaPr>
@@ -18944,7 +18949,7 @@
             </p:txBody>
           </p:sp>
         </mc:Choice>
-        <mc:Fallback>
+        <mc:Fallback xmlns="">
           <p:sp>
             <p:nvSpPr>
               <p:cNvPr id="12" name="Rectangle 11">
@@ -18989,8 +18994,8 @@
           </p:sp>
         </mc:Fallback>
       </mc:AlternateContent>
-      <mc:AlternateContent xmlns:mc="http://schemas.openxmlformats.org/markup-compatibility/2006">
-        <mc:Choice xmlns:a14="http://schemas.microsoft.com/office/drawing/2010/main" Requires="a14">
+      <mc:AlternateContent xmlns:mc="http://schemas.openxmlformats.org/markup-compatibility/2006" xmlns:a14="http://schemas.microsoft.com/office/drawing/2010/main">
+        <mc:Choice Requires="a14">
           <p:sp>
             <p:nvSpPr>
               <p:cNvPr id="13" name="Rectangle 12">
@@ -19018,6 +19023,7 @@
               </a:bodyPr>
               <a:lstStyle/>
               <a:p>
+                <a:pPr/>
                 <a14:m>
                   <m:oMathPara xmlns:m="http://schemas.openxmlformats.org/officeDocument/2006/math">
                     <m:oMathParaPr>
@@ -19372,7 +19378,7 @@
             </p:txBody>
           </p:sp>
         </mc:Choice>
-        <mc:Fallback>
+        <mc:Fallback xmlns="">
           <p:sp>
             <p:nvSpPr>
               <p:cNvPr id="13" name="Rectangle 12">
@@ -19477,8 +19483,8 @@
           </a:p>
         </p:txBody>
       </p:sp>
-      <mc:AlternateContent xmlns:mc="http://schemas.openxmlformats.org/markup-compatibility/2006">
-        <mc:Choice xmlns:a14="http://schemas.microsoft.com/office/drawing/2010/main" Requires="a14">
+      <mc:AlternateContent xmlns:mc="http://schemas.openxmlformats.org/markup-compatibility/2006" xmlns:a14="http://schemas.microsoft.com/office/drawing/2010/main">
+        <mc:Choice Requires="a14">
           <p:sp>
             <p:nvSpPr>
               <p:cNvPr id="3" name="Content Placeholder 2">
@@ -19722,7 +19728,7 @@
             </p:txBody>
           </p:sp>
         </mc:Choice>
-        <mc:Fallback>
+        <mc:Fallback xmlns="">
           <p:sp>
             <p:nvSpPr>
               <p:cNvPr id="3" name="Content Placeholder 2">
@@ -20288,8 +20294,8 @@
           </a:prstGeom>
         </p:spPr>
       </p:pic>
-      <mc:AlternateContent xmlns:mc="http://schemas.openxmlformats.org/markup-compatibility/2006">
-        <mc:Choice xmlns:a14="http://schemas.microsoft.com/office/drawing/2010/main" Requires="a14">
+      <mc:AlternateContent xmlns:mc="http://schemas.openxmlformats.org/markup-compatibility/2006" xmlns:a14="http://schemas.microsoft.com/office/drawing/2010/main">
+        <mc:Choice Requires="a14">
           <p:sp>
             <p:nvSpPr>
               <p:cNvPr id="5" name="Rectangle 4">
@@ -20317,6 +20323,7 @@
               </a:bodyPr>
               <a:lstStyle/>
               <a:p>
+                <a:pPr/>
                 <a14:m>
                   <m:oMathPara xmlns:m="http://schemas.openxmlformats.org/officeDocument/2006/math">
                     <m:oMathParaPr>
@@ -20565,7 +20572,7 @@
             </p:txBody>
           </p:sp>
         </mc:Choice>
-        <mc:Fallback>
+        <mc:Fallback xmlns="">
           <p:sp>
             <p:nvSpPr>
               <p:cNvPr id="5" name="Rectangle 4">
@@ -20787,8 +20794,8 @@
           </a:p>
         </p:txBody>
       </p:sp>
-      <mc:AlternateContent xmlns:mc="http://schemas.openxmlformats.org/markup-compatibility/2006">
-        <mc:Choice xmlns:a14="http://schemas.microsoft.com/office/drawing/2010/main" Requires="a14">
+      <mc:AlternateContent xmlns:mc="http://schemas.openxmlformats.org/markup-compatibility/2006" xmlns:a14="http://schemas.microsoft.com/office/drawing/2010/main">
+        <mc:Choice Requires="a14">
           <p:sp>
             <p:nvSpPr>
               <p:cNvPr id="5" name="Rectangle 4">
@@ -20816,6 +20823,7 @@
               </a:bodyPr>
               <a:lstStyle/>
               <a:p>
+                <a:pPr/>
                 <a14:m>
                   <m:oMathPara xmlns:m="http://schemas.openxmlformats.org/officeDocument/2006/math">
                     <m:oMathParaPr>
@@ -21116,7 +21124,7 @@
             </p:txBody>
           </p:sp>
         </mc:Choice>
-        <mc:Fallback>
+        <mc:Fallback xmlns="">
           <p:sp>
             <p:nvSpPr>
               <p:cNvPr id="5" name="Rectangle 4">
@@ -21409,8 +21417,8 @@
           </a:p>
         </p:txBody>
       </p:sp>
-      <mc:AlternateContent xmlns:mc="http://schemas.openxmlformats.org/markup-compatibility/2006">
-        <mc:Choice xmlns:a14="http://schemas.microsoft.com/office/drawing/2010/main" Requires="a14">
+      <mc:AlternateContent xmlns:mc="http://schemas.openxmlformats.org/markup-compatibility/2006" xmlns:a14="http://schemas.microsoft.com/office/drawing/2010/main">
+        <mc:Choice Requires="a14">
           <p:sp>
             <p:nvSpPr>
               <p:cNvPr id="9" name="Rectangle 8">
@@ -21438,6 +21446,7 @@
               </a:bodyPr>
               <a:lstStyle/>
               <a:p>
+                <a:pPr/>
                 <a14:m>
                   <m:oMathPara xmlns:m="http://schemas.openxmlformats.org/officeDocument/2006/math">
                     <m:oMathParaPr>
@@ -21686,7 +21695,7 @@
             </p:txBody>
           </p:sp>
         </mc:Choice>
-        <mc:Fallback>
+        <mc:Fallback xmlns="">
           <p:sp>
             <p:nvSpPr>
               <p:cNvPr id="9" name="Rectangle 8">
@@ -21731,8 +21740,8 @@
           </p:sp>
         </mc:Fallback>
       </mc:AlternateContent>
-      <mc:AlternateContent xmlns:mc="http://schemas.openxmlformats.org/markup-compatibility/2006">
-        <mc:Choice xmlns:a14="http://schemas.microsoft.com/office/drawing/2010/main" Requires="a14">
+      <mc:AlternateContent xmlns:mc="http://schemas.openxmlformats.org/markup-compatibility/2006" xmlns:a14="http://schemas.microsoft.com/office/drawing/2010/main">
+        <mc:Choice Requires="a14">
           <p:sp>
             <p:nvSpPr>
               <p:cNvPr id="10" name="Rectangle 9">
@@ -21760,6 +21769,7 @@
               </a:bodyPr>
               <a:lstStyle/>
               <a:p>
+                <a:pPr/>
                 <a14:m>
                   <m:oMathPara xmlns:m="http://schemas.openxmlformats.org/officeDocument/2006/math">
                     <m:oMathParaPr>
@@ -22060,7 +22070,7 @@
             </p:txBody>
           </p:sp>
         </mc:Choice>
-        <mc:Fallback>
+        <mc:Fallback xmlns="">
           <p:sp>
             <p:nvSpPr>
               <p:cNvPr id="10" name="Rectangle 9">
@@ -23495,8 +23505,8 @@
           </a:p>
         </p:txBody>
       </p:sp>
-      <mc:AlternateContent xmlns:mc="http://schemas.openxmlformats.org/markup-compatibility/2006">
-        <mc:Choice xmlns:a14="http://schemas.microsoft.com/office/drawing/2010/main" Requires="a14">
+      <mc:AlternateContent xmlns:mc="http://schemas.openxmlformats.org/markup-compatibility/2006" xmlns:a14="http://schemas.microsoft.com/office/drawing/2010/main">
+        <mc:Choice Requires="a14">
           <p:sp>
             <p:nvSpPr>
               <p:cNvPr id="3" name="Content Placeholder 2">
@@ -23614,13 +23624,7 @@
                           <a:rPr lang="en-GB" sz="2400" b="0" i="1" smtClean="0">
                             <a:latin typeface="Cambria Math" panose="02040503050406030204" pitchFamily="18" charset="0"/>
                           </a:rPr>
-                          <m:t>−</m:t>
-                        </m:r>
-                        <m:r>
-                          <a:rPr lang="en-GB" sz="2400" b="0" i="1" smtClean="0">
-                            <a:latin typeface="Cambria Math" panose="02040503050406030204" pitchFamily="18" charset="0"/>
-                          </a:rPr>
-                          <m:t>1+0.5∗0</m:t>
+                          <m:t>−1+0.5∗0</m:t>
                         </m:r>
                       </m:e>
                     </m:d>
@@ -23645,13 +23649,7 @@
                           <a:rPr lang="en-GB" sz="2400" b="0" i="1" smtClean="0">
                             <a:latin typeface="Cambria Math" panose="02040503050406030204" pitchFamily="18" charset="0"/>
                           </a:rPr>
-                          <m:t>−</m:t>
-                        </m:r>
-                        <m:r>
-                          <a:rPr lang="en-GB" sz="2400" b="0" i="1" smtClean="0">
-                            <a:latin typeface="Cambria Math" panose="02040503050406030204" pitchFamily="18" charset="0"/>
-                          </a:rPr>
-                          <m:t>0.04+0.5∗0</m:t>
+                          <m:t>−0.04+0.5∗0</m:t>
                         </m:r>
                       </m:e>
                     </m:d>
@@ -23676,13 +23674,7 @@
                           <a:rPr lang="en-GB" sz="2400" b="0" i="1" smtClean="0">
                             <a:latin typeface="Cambria Math" panose="02040503050406030204" pitchFamily="18" charset="0"/>
                           </a:rPr>
-                          <m:t>−</m:t>
-                        </m:r>
-                        <m:r>
-                          <a:rPr lang="en-GB" sz="2400" b="0" i="1" smtClean="0">
-                            <a:latin typeface="Cambria Math" panose="02040503050406030204" pitchFamily="18" charset="0"/>
-                          </a:rPr>
-                          <m:t>0.04+0.5∗0</m:t>
+                          <m:t>−0.04+0.5∗0</m:t>
                         </m:r>
                       </m:e>
                     </m:d>
@@ -23711,7 +23703,7 @@
             </p:txBody>
           </p:sp>
         </mc:Choice>
-        <mc:Fallback>
+        <mc:Fallback xmlns="">
           <p:sp>
             <p:nvSpPr>
               <p:cNvPr id="3" name="Content Placeholder 2">
@@ -23825,8 +23817,8 @@
           </a:p>
         </p:txBody>
       </p:sp>
-      <mc:AlternateContent xmlns:mc="http://schemas.openxmlformats.org/markup-compatibility/2006">
-        <mc:Choice xmlns:a14="http://schemas.microsoft.com/office/drawing/2010/main" Requires="a14">
+      <mc:AlternateContent xmlns:mc="http://schemas.openxmlformats.org/markup-compatibility/2006" xmlns:a14="http://schemas.microsoft.com/office/drawing/2010/main">
+        <mc:Choice Requires="a14">
           <p:sp>
             <p:nvSpPr>
               <p:cNvPr id="6" name="Rectangle 5">
@@ -23854,6 +23846,7 @@
               </a:bodyPr>
               <a:lstStyle/>
               <a:p>
+                <a:pPr/>
                 <a14:m>
                   <m:oMathPara xmlns:m="http://schemas.openxmlformats.org/officeDocument/2006/math">
                     <m:oMathParaPr>
@@ -24250,7 +24243,7 @@
             </p:txBody>
           </p:sp>
         </mc:Choice>
-        <mc:Fallback>
+        <mc:Fallback xmlns="">
           <p:sp>
             <p:nvSpPr>
               <p:cNvPr id="6" name="Rectangle 5">
@@ -24429,8 +24422,8 @@
           </a:p>
         </p:txBody>
       </p:sp>
-      <mc:AlternateContent xmlns:mc="http://schemas.openxmlformats.org/markup-compatibility/2006">
-        <mc:Choice xmlns:a14="http://schemas.microsoft.com/office/drawing/2010/main" Requires="a14">
+      <mc:AlternateContent xmlns:mc="http://schemas.openxmlformats.org/markup-compatibility/2006" xmlns:a14="http://schemas.microsoft.com/office/drawing/2010/main">
+        <mc:Choice Requires="a14">
           <p:sp>
             <p:nvSpPr>
               <p:cNvPr id="3" name="Content Placeholder 2">
@@ -24548,13 +24541,7 @@
                           <a:rPr lang="en-GB" sz="2400" b="0" i="1" smtClean="0">
                             <a:latin typeface="Cambria Math" panose="02040503050406030204" pitchFamily="18" charset="0"/>
                           </a:rPr>
-                          <m:t>−</m:t>
-                        </m:r>
-                        <m:r>
-                          <a:rPr lang="en-GB" sz="2400" b="0" i="1" smtClean="0">
-                            <a:latin typeface="Cambria Math" panose="02040503050406030204" pitchFamily="18" charset="0"/>
-                          </a:rPr>
-                          <m:t>1+0.5∗0</m:t>
+                          <m:t>−1+0.5∗0</m:t>
                         </m:r>
                       </m:e>
                     </m:d>
@@ -24579,13 +24566,7 @@
                           <a:rPr lang="en-GB" sz="2400" b="0" i="1" smtClean="0">
                             <a:latin typeface="Cambria Math" panose="02040503050406030204" pitchFamily="18" charset="0"/>
                           </a:rPr>
-                          <m:t>−</m:t>
-                        </m:r>
-                        <m:r>
-                          <a:rPr lang="en-GB" sz="2400" b="0" i="1" smtClean="0">
-                            <a:latin typeface="Cambria Math" panose="02040503050406030204" pitchFamily="18" charset="0"/>
-                          </a:rPr>
-                          <m:t>0.04+0.5∗0.688</m:t>
+                          <m:t>−0.04+0.5∗0.688</m:t>
                         </m:r>
                       </m:e>
                     </m:d>
@@ -24610,13 +24591,7 @@
                           <a:rPr lang="en-GB" sz="2400" b="0" i="1" smtClean="0">
                             <a:latin typeface="Cambria Math" panose="02040503050406030204" pitchFamily="18" charset="0"/>
                           </a:rPr>
-                          <m:t>−</m:t>
-                        </m:r>
-                        <m:r>
-                          <a:rPr lang="en-GB" sz="2400" b="0" i="1" smtClean="0">
-                            <a:latin typeface="Cambria Math" panose="02040503050406030204" pitchFamily="18" charset="0"/>
-                          </a:rPr>
-                          <m:t>0.04+0.5∗−0.04</m:t>
+                          <m:t>−0.04+0.5∗−0.04</m:t>
                         </m:r>
                       </m:e>
                     </m:d>
@@ -24645,7 +24620,7 @@
             </p:txBody>
           </p:sp>
         </mc:Choice>
-        <mc:Fallback>
+        <mc:Fallback xmlns="">
           <p:sp>
             <p:nvSpPr>
               <p:cNvPr id="3" name="Content Placeholder 2">
@@ -24759,8 +24734,8 @@
           </a:p>
         </p:txBody>
       </p:sp>
-      <mc:AlternateContent xmlns:mc="http://schemas.openxmlformats.org/markup-compatibility/2006">
-        <mc:Choice xmlns:a14="http://schemas.microsoft.com/office/drawing/2010/main" Requires="a14">
+      <mc:AlternateContent xmlns:mc="http://schemas.openxmlformats.org/markup-compatibility/2006" xmlns:a14="http://schemas.microsoft.com/office/drawing/2010/main">
+        <mc:Choice Requires="a14">
           <p:sp>
             <p:nvSpPr>
               <p:cNvPr id="6" name="Rectangle 5">
@@ -24788,6 +24763,7 @@
               </a:bodyPr>
               <a:lstStyle/>
               <a:p>
+                <a:pPr/>
                 <a14:m>
                   <m:oMathPara xmlns:m="http://schemas.openxmlformats.org/officeDocument/2006/math">
                     <m:oMathParaPr>
@@ -25184,7 +25160,7 @@
             </p:txBody>
           </p:sp>
         </mc:Choice>
-        <mc:Fallback>
+        <mc:Fallback xmlns="">
           <p:sp>
             <p:nvSpPr>
               <p:cNvPr id="6" name="Rectangle 5">
